--- a/tutorial14/tutorial14.pptx
+++ b/tutorial14/tutorial14.pptx
@@ -107,7 +107,7 @@
   </p:defaultTextStyle>
   <p:extLst>
     <p:ext uri="{EFAFB233-063F-42B5-8137-9DF3F51BA10A}">
-      <p15:sldGuideLst xmlns:p15="http://schemas.microsoft.com/office/powerpoint/2012/main">
+      <p15:sldGuideLst xmlns:p15="http://schemas.microsoft.com/office/powerpoint/2012/main" xmlns="">
         <p15:guide id="1" orient="horz" pos="2160">
           <p15:clr>
             <a:srgbClr val="A4A3A4"/>
@@ -146,7 +146,7 @@
           <p:cNvPr id="14" name="Rectangle 13">
             <a:extLst>
               <a:ext uri="{FF2B5EF4-FFF2-40B4-BE49-F238E27FC236}">
-                <a16:creationId xmlns:a16="http://schemas.microsoft.com/office/drawing/2014/main" id="{9D3B3C7E-BC2D-4436-8B03-AC421FA66787}"/>
+                <a16:creationId xmlns:a16="http://schemas.microsoft.com/office/drawing/2014/main" xmlns="" id="{9D3B3C7E-BC2D-4436-8B03-AC421FA66787}"/>
               </a:ext>
             </a:extLst>
           </p:cNvPr>
@@ -198,7 +198,7 @@
           <p:cNvPr id="2" name="Title 1">
             <a:extLst>
               <a:ext uri="{FF2B5EF4-FFF2-40B4-BE49-F238E27FC236}">
-                <a16:creationId xmlns:a16="http://schemas.microsoft.com/office/drawing/2014/main" id="{0B66887E-4265-46F7-9DE0-605FFFC90761}"/>
+                <a16:creationId xmlns:a16="http://schemas.microsoft.com/office/drawing/2014/main" xmlns="" id="{0B66887E-4265-46F7-9DE0-605FFFC90761}"/>
               </a:ext>
             </a:extLst>
           </p:cNvPr>
@@ -240,7 +240,7 @@
           <p:cNvPr id="3" name="Subtitle 2">
             <a:extLst>
               <a:ext uri="{FF2B5EF4-FFF2-40B4-BE49-F238E27FC236}">
-                <a16:creationId xmlns:a16="http://schemas.microsoft.com/office/drawing/2014/main" id="{7EDB1A74-54F5-45CA-8922-87FFD57515D4}"/>
+                <a16:creationId xmlns:a16="http://schemas.microsoft.com/office/drawing/2014/main" xmlns="" id="{7EDB1A74-54F5-45CA-8922-87FFD57515D4}"/>
               </a:ext>
             </a:extLst>
           </p:cNvPr>
@@ -315,7 +315,7 @@
           <p:cNvPr id="4" name="Date Placeholder 3">
             <a:extLst>
               <a:ext uri="{FF2B5EF4-FFF2-40B4-BE49-F238E27FC236}">
-                <a16:creationId xmlns:a16="http://schemas.microsoft.com/office/drawing/2014/main" id="{0B6BE6EF-9D0F-4ABF-B92C-E967FE3F16CF}"/>
+                <a16:creationId xmlns:a16="http://schemas.microsoft.com/office/drawing/2014/main" xmlns="" id="{0B6BE6EF-9D0F-4ABF-B92C-E967FE3F16CF}"/>
               </a:ext>
             </a:extLst>
           </p:cNvPr>
@@ -333,7 +333,7 @@
           <a:p>
             <a:fld id="{C485584D-7D79-4248-9986-4CA35242F944}" type="datetimeFigureOut">
               <a:rPr lang="en-US" smtClean="0"/>
-              <a:t>12/12/23</a:t>
+              <a:t>12/12/2023</a:t>
             </a:fld>
             <a:endParaRPr lang="en-US"/>
           </a:p>
@@ -344,7 +344,7 @@
           <p:cNvPr id="5" name="Footer Placeholder 4">
             <a:extLst>
               <a:ext uri="{FF2B5EF4-FFF2-40B4-BE49-F238E27FC236}">
-                <a16:creationId xmlns:a16="http://schemas.microsoft.com/office/drawing/2014/main" id="{4E4AB150-954C-4F02-89AC-DA7163D75C39}"/>
+                <a16:creationId xmlns:a16="http://schemas.microsoft.com/office/drawing/2014/main" xmlns="" id="{4E4AB150-954C-4F02-89AC-DA7163D75C39}"/>
               </a:ext>
             </a:extLst>
           </p:cNvPr>
@@ -374,7 +374,7 @@
           <p:cNvPr id="6" name="Slide Number Placeholder 5">
             <a:extLst>
               <a:ext uri="{FF2B5EF4-FFF2-40B4-BE49-F238E27FC236}">
-                <a16:creationId xmlns:a16="http://schemas.microsoft.com/office/drawing/2014/main" id="{E8E16270-CBD7-4ACC-BFC5-9CADE7226688}"/>
+                <a16:creationId xmlns:a16="http://schemas.microsoft.com/office/drawing/2014/main" xmlns="" id="{E8E16270-CBD7-4ACC-BFC5-9CADE7226688}"/>
               </a:ext>
             </a:extLst>
           </p:cNvPr>
@@ -403,7 +403,7 @@
           <p:cNvPr id="7" name="Group 6">
             <a:extLst>
               <a:ext uri="{FF2B5EF4-FFF2-40B4-BE49-F238E27FC236}">
-                <a16:creationId xmlns:a16="http://schemas.microsoft.com/office/drawing/2014/main" id="{79B5D0C1-066E-4C02-A6B8-59FAE4A19724}"/>
+                <a16:creationId xmlns:a16="http://schemas.microsoft.com/office/drawing/2014/main" xmlns="" id="{79B5D0C1-066E-4C02-A6B8-59FAE4A19724}"/>
               </a:ext>
             </a:extLst>
           </p:cNvPr>
@@ -423,7 +423,7 @@
             <p:cNvPr id="8" name="Rectangle 7">
               <a:extLst>
                 <a:ext uri="{FF2B5EF4-FFF2-40B4-BE49-F238E27FC236}">
-                  <a16:creationId xmlns:a16="http://schemas.microsoft.com/office/drawing/2014/main" id="{D4386904-AFDC-449E-8D1B-906B305EBDA7}"/>
+                  <a16:creationId xmlns:a16="http://schemas.microsoft.com/office/drawing/2014/main" xmlns="" id="{D4386904-AFDC-449E-8D1B-906B305EBDA7}"/>
                 </a:ext>
               </a:extLst>
             </p:cNvPr>
@@ -486,7 +486,7 @@
             <p:cNvPr id="9" name="Straight Connector 8">
               <a:extLst>
                 <a:ext uri="{FF2B5EF4-FFF2-40B4-BE49-F238E27FC236}">
-                  <a16:creationId xmlns:a16="http://schemas.microsoft.com/office/drawing/2014/main" id="{F70778F2-11E8-428C-8324-479CA9D6FE92}"/>
+                  <a16:creationId xmlns:a16="http://schemas.microsoft.com/office/drawing/2014/main" xmlns="" id="{F70778F2-11E8-428C-8324-479CA9D6FE92}"/>
                 </a:ext>
               </a:extLst>
             </p:cNvPr>
@@ -527,7 +527,7 @@
             <p:cNvPr id="10" name="Straight Connector 9">
               <a:extLst>
                 <a:ext uri="{FF2B5EF4-FFF2-40B4-BE49-F238E27FC236}">
-                  <a16:creationId xmlns:a16="http://schemas.microsoft.com/office/drawing/2014/main" id="{4A0BE89E-CB2D-48BA-A8D2-533FAAAA725F}"/>
+                  <a16:creationId xmlns:a16="http://schemas.microsoft.com/office/drawing/2014/main" xmlns="" id="{4A0BE89E-CB2D-48BA-A8D2-533FAAAA725F}"/>
                 </a:ext>
               </a:extLst>
             </p:cNvPr>
@@ -599,7 +599,7 @@
           <p:cNvPr id="2" name="Title 1">
             <a:extLst>
               <a:ext uri="{FF2B5EF4-FFF2-40B4-BE49-F238E27FC236}">
-                <a16:creationId xmlns:a16="http://schemas.microsoft.com/office/drawing/2014/main" id="{05DB1126-542A-43AD-8078-EE3565165448}"/>
+                <a16:creationId xmlns:a16="http://schemas.microsoft.com/office/drawing/2014/main" xmlns="" id="{05DB1126-542A-43AD-8078-EE3565165448}"/>
               </a:ext>
             </a:extLst>
           </p:cNvPr>
@@ -627,7 +627,7 @@
           <p:cNvPr id="3" name="Vertical Text Placeholder 2">
             <a:extLst>
               <a:ext uri="{FF2B5EF4-FFF2-40B4-BE49-F238E27FC236}">
-                <a16:creationId xmlns:a16="http://schemas.microsoft.com/office/drawing/2014/main" id="{A4A5F98B-5F32-4561-BFBC-9F6E5DA0A347}"/>
+                <a16:creationId xmlns:a16="http://schemas.microsoft.com/office/drawing/2014/main" xmlns="" id="{A4A5F98B-5F32-4561-BFBC-9F6E5DA0A347}"/>
               </a:ext>
             </a:extLst>
           </p:cNvPr>
@@ -689,7 +689,7 @@
           <p:cNvPr id="4" name="Date Placeholder 3">
             <a:extLst>
               <a:ext uri="{FF2B5EF4-FFF2-40B4-BE49-F238E27FC236}">
-                <a16:creationId xmlns:a16="http://schemas.microsoft.com/office/drawing/2014/main" id="{F773D0DD-B04E-4E48-8EE1-51E46131A9A2}"/>
+                <a16:creationId xmlns:a16="http://schemas.microsoft.com/office/drawing/2014/main" xmlns="" id="{F773D0DD-B04E-4E48-8EE1-51E46131A9A2}"/>
               </a:ext>
             </a:extLst>
           </p:cNvPr>
@@ -707,7 +707,7 @@
           <a:p>
             <a:fld id="{C485584D-7D79-4248-9986-4CA35242F944}" type="datetimeFigureOut">
               <a:rPr lang="en-US" smtClean="0"/>
-              <a:t>12/12/23</a:t>
+              <a:t>12/12/2023</a:t>
             </a:fld>
             <a:endParaRPr lang="en-US"/>
           </a:p>
@@ -718,7 +718,7 @@
           <p:cNvPr id="5" name="Footer Placeholder 4">
             <a:extLst>
               <a:ext uri="{FF2B5EF4-FFF2-40B4-BE49-F238E27FC236}">
-                <a16:creationId xmlns:a16="http://schemas.microsoft.com/office/drawing/2014/main" id="{0481352D-F9C0-4442-9601-A09A7655E685}"/>
+                <a16:creationId xmlns:a16="http://schemas.microsoft.com/office/drawing/2014/main" xmlns="" id="{0481352D-F9C0-4442-9601-A09A7655E685}"/>
               </a:ext>
             </a:extLst>
           </p:cNvPr>
@@ -743,7 +743,7 @@
           <p:cNvPr id="6" name="Slide Number Placeholder 5">
             <a:extLst>
               <a:ext uri="{FF2B5EF4-FFF2-40B4-BE49-F238E27FC236}">
-                <a16:creationId xmlns:a16="http://schemas.microsoft.com/office/drawing/2014/main" id="{69FC0801-9C45-40AE-AB33-5742CDA4DAC7}"/>
+                <a16:creationId xmlns:a16="http://schemas.microsoft.com/office/drawing/2014/main" xmlns="" id="{69FC0801-9C45-40AE-AB33-5742CDA4DAC7}"/>
               </a:ext>
             </a:extLst>
           </p:cNvPr>
@@ -802,7 +802,7 @@
           <p:cNvPr id="2" name="Vertical Title 1">
             <a:extLst>
               <a:ext uri="{FF2B5EF4-FFF2-40B4-BE49-F238E27FC236}">
-                <a16:creationId xmlns:a16="http://schemas.microsoft.com/office/drawing/2014/main" id="{4E946561-59BF-4566-AD2C-9B05C4771DF4}"/>
+                <a16:creationId xmlns:a16="http://schemas.microsoft.com/office/drawing/2014/main" xmlns="" id="{4E946561-59BF-4566-AD2C-9B05C4771DF4}"/>
               </a:ext>
             </a:extLst>
           </p:cNvPr>
@@ -836,7 +836,7 @@
           <p:cNvPr id="3" name="Vertical Text Placeholder 2">
             <a:extLst>
               <a:ext uri="{FF2B5EF4-FFF2-40B4-BE49-F238E27FC236}">
-                <a16:creationId xmlns:a16="http://schemas.microsoft.com/office/drawing/2014/main" id="{A1DF7870-6CBD-47E2-854C-68141BAA101D}"/>
+                <a16:creationId xmlns:a16="http://schemas.microsoft.com/office/drawing/2014/main" xmlns="" id="{A1DF7870-6CBD-47E2-854C-68141BAA101D}"/>
               </a:ext>
             </a:extLst>
           </p:cNvPr>
@@ -899,7 +899,7 @@
           <p:cNvPr id="4" name="Date Placeholder 3">
             <a:extLst>
               <a:ext uri="{FF2B5EF4-FFF2-40B4-BE49-F238E27FC236}">
-                <a16:creationId xmlns:a16="http://schemas.microsoft.com/office/drawing/2014/main" id="{8712FAF3-C106-49CB-A845-1FC7F731399D}"/>
+                <a16:creationId xmlns:a16="http://schemas.microsoft.com/office/drawing/2014/main" xmlns="" id="{8712FAF3-C106-49CB-A845-1FC7F731399D}"/>
               </a:ext>
             </a:extLst>
           </p:cNvPr>
@@ -917,7 +917,7 @@
           <a:p>
             <a:fld id="{C485584D-7D79-4248-9986-4CA35242F944}" type="datetimeFigureOut">
               <a:rPr lang="en-US" smtClean="0"/>
-              <a:t>12/12/23</a:t>
+              <a:t>12/12/2023</a:t>
             </a:fld>
             <a:endParaRPr lang="en-US"/>
           </a:p>
@@ -928,7 +928,7 @@
           <p:cNvPr id="5" name="Footer Placeholder 4">
             <a:extLst>
               <a:ext uri="{FF2B5EF4-FFF2-40B4-BE49-F238E27FC236}">
-                <a16:creationId xmlns:a16="http://schemas.microsoft.com/office/drawing/2014/main" id="{E34D5CCC-00E8-48FA-91A6-921E7B6440EB}"/>
+                <a16:creationId xmlns:a16="http://schemas.microsoft.com/office/drawing/2014/main" xmlns="" id="{E34D5CCC-00E8-48FA-91A6-921E7B6440EB}"/>
               </a:ext>
             </a:extLst>
           </p:cNvPr>
@@ -953,7 +953,7 @@
           <p:cNvPr id="6" name="Slide Number Placeholder 5">
             <a:extLst>
               <a:ext uri="{FF2B5EF4-FFF2-40B4-BE49-F238E27FC236}">
-                <a16:creationId xmlns:a16="http://schemas.microsoft.com/office/drawing/2014/main" id="{CB7E1751-E7AA-406D-A977-1ACEF1FBD134}"/>
+                <a16:creationId xmlns:a16="http://schemas.microsoft.com/office/drawing/2014/main" xmlns="" id="{CB7E1751-E7AA-406D-A977-1ACEF1FBD134}"/>
               </a:ext>
             </a:extLst>
           </p:cNvPr>
@@ -1012,7 +1012,7 @@
           <p:cNvPr id="2" name="Title 1">
             <a:extLst>
               <a:ext uri="{FF2B5EF4-FFF2-40B4-BE49-F238E27FC236}">
-                <a16:creationId xmlns:a16="http://schemas.microsoft.com/office/drawing/2014/main" id="{E8D2DC87-4B97-4A7C-BC4C-6E7724561615}"/>
+                <a16:creationId xmlns:a16="http://schemas.microsoft.com/office/drawing/2014/main" xmlns="" id="{E8D2DC87-4B97-4A7C-BC4C-6E7724561615}"/>
               </a:ext>
             </a:extLst>
           </p:cNvPr>
@@ -1041,7 +1041,7 @@
           <p:cNvPr id="3" name="Content Placeholder 2">
             <a:extLst>
               <a:ext uri="{FF2B5EF4-FFF2-40B4-BE49-F238E27FC236}">
-                <a16:creationId xmlns:a16="http://schemas.microsoft.com/office/drawing/2014/main" id="{F4B59FD9-57FD-4ABA-9FCD-7954052534CF}"/>
+                <a16:creationId xmlns:a16="http://schemas.microsoft.com/office/drawing/2014/main" xmlns="" id="{F4B59FD9-57FD-4ABA-9FCD-7954052534CF}"/>
               </a:ext>
             </a:extLst>
           </p:cNvPr>
@@ -1098,7 +1098,7 @@
           <p:cNvPr id="4" name="Date Placeholder 3">
             <a:extLst>
               <a:ext uri="{FF2B5EF4-FFF2-40B4-BE49-F238E27FC236}">
-                <a16:creationId xmlns:a16="http://schemas.microsoft.com/office/drawing/2014/main" id="{E87BD40E-B0AA-47B8-900F-488A8AEC1BC2}"/>
+                <a16:creationId xmlns:a16="http://schemas.microsoft.com/office/drawing/2014/main" xmlns="" id="{E87BD40E-B0AA-47B8-900F-488A8AEC1BC2}"/>
               </a:ext>
             </a:extLst>
           </p:cNvPr>
@@ -1116,7 +1116,7 @@
           <a:p>
             <a:fld id="{C485584D-7D79-4248-9986-4CA35242F944}" type="datetimeFigureOut">
               <a:rPr lang="en-US" smtClean="0"/>
-              <a:t>12/12/23</a:t>
+              <a:t>12/12/2023</a:t>
             </a:fld>
             <a:endParaRPr lang="en-US"/>
           </a:p>
@@ -1127,7 +1127,7 @@
           <p:cNvPr id="5" name="Footer Placeholder 4">
             <a:extLst>
               <a:ext uri="{FF2B5EF4-FFF2-40B4-BE49-F238E27FC236}">
-                <a16:creationId xmlns:a16="http://schemas.microsoft.com/office/drawing/2014/main" id="{865E623C-1E35-4485-A5B4-A71969BE706F}"/>
+                <a16:creationId xmlns:a16="http://schemas.microsoft.com/office/drawing/2014/main" xmlns="" id="{865E623C-1E35-4485-A5B4-A71969BE706F}"/>
               </a:ext>
             </a:extLst>
           </p:cNvPr>
@@ -1152,7 +1152,7 @@
           <p:cNvPr id="6" name="Slide Number Placeholder 5">
             <a:extLst>
               <a:ext uri="{FF2B5EF4-FFF2-40B4-BE49-F238E27FC236}">
-                <a16:creationId xmlns:a16="http://schemas.microsoft.com/office/drawing/2014/main" id="{4B5C6BB9-EF4F-465E-985B-34521F68C583}"/>
+                <a16:creationId xmlns:a16="http://schemas.microsoft.com/office/drawing/2014/main" xmlns="" id="{4B5C6BB9-EF4F-465E-985B-34521F68C583}"/>
               </a:ext>
             </a:extLst>
           </p:cNvPr>
@@ -1211,7 +1211,7 @@
           <p:cNvPr id="4" name="Date Placeholder 3">
             <a:extLst>
               <a:ext uri="{FF2B5EF4-FFF2-40B4-BE49-F238E27FC236}">
-                <a16:creationId xmlns:a16="http://schemas.microsoft.com/office/drawing/2014/main" id="{587F5577-D71B-4279-B07A-62F703E5D1DC}"/>
+                <a16:creationId xmlns:a16="http://schemas.microsoft.com/office/drawing/2014/main" xmlns="" id="{587F5577-D71B-4279-B07A-62F703E5D1DC}"/>
               </a:ext>
             </a:extLst>
           </p:cNvPr>
@@ -1229,7 +1229,7 @@
           <a:p>
             <a:fld id="{C485584D-7D79-4248-9986-4CA35242F944}" type="datetimeFigureOut">
               <a:rPr lang="en-US" smtClean="0"/>
-              <a:t>12/12/23</a:t>
+              <a:t>12/12/2023</a:t>
             </a:fld>
             <a:endParaRPr lang="en-US"/>
           </a:p>
@@ -1240,7 +1240,7 @@
           <p:cNvPr id="5" name="Footer Placeholder 4">
             <a:extLst>
               <a:ext uri="{FF2B5EF4-FFF2-40B4-BE49-F238E27FC236}">
-                <a16:creationId xmlns:a16="http://schemas.microsoft.com/office/drawing/2014/main" id="{F648367D-C35C-4023-BEBE-F834D033B0CC}"/>
+                <a16:creationId xmlns:a16="http://schemas.microsoft.com/office/drawing/2014/main" xmlns="" id="{F648367D-C35C-4023-BEBE-F834D033B0CC}"/>
               </a:ext>
             </a:extLst>
           </p:cNvPr>
@@ -1265,7 +1265,7 @@
           <p:cNvPr id="6" name="Slide Number Placeholder 5">
             <a:extLst>
               <a:ext uri="{FF2B5EF4-FFF2-40B4-BE49-F238E27FC236}">
-                <a16:creationId xmlns:a16="http://schemas.microsoft.com/office/drawing/2014/main" id="{22BFCF8A-B8C6-496A-98A5-BBB52DB70F16}"/>
+                <a16:creationId xmlns:a16="http://schemas.microsoft.com/office/drawing/2014/main" xmlns="" id="{22BFCF8A-B8C6-496A-98A5-BBB52DB70F16}"/>
               </a:ext>
             </a:extLst>
           </p:cNvPr>
@@ -1294,10 +1294,10 @@
           <p:cNvPr id="11" name="Rectangle 5">
             <a:extLst>
               <a:ext uri="{FF2B5EF4-FFF2-40B4-BE49-F238E27FC236}">
-                <a16:creationId xmlns:a16="http://schemas.microsoft.com/office/drawing/2014/main" id="{CDE45C10-227D-42DF-A888-EEFD3784FA8E}"/>
+                <a16:creationId xmlns:a16="http://schemas.microsoft.com/office/drawing/2014/main" xmlns="" id="{CDE45C10-227D-42DF-A888-EEFD3784FA8E}"/>
               </a:ext>
               <a:ext uri="{C183D7F6-B498-43B3-948B-1728B52AA6E4}">
-                <adec:decorative xmlns:adec="http://schemas.microsoft.com/office/drawing/2017/decorative" val="1"/>
+                <adec:decorative xmlns:adec="http://schemas.microsoft.com/office/drawing/2017/decorative" xmlns="" val="1"/>
               </a:ext>
             </a:extLst>
           </p:cNvPr>
@@ -1432,10 +1432,10 @@
           <p:cNvPr id="7" name="Group 6">
             <a:extLst>
               <a:ext uri="{FF2B5EF4-FFF2-40B4-BE49-F238E27FC236}">
-                <a16:creationId xmlns:a16="http://schemas.microsoft.com/office/drawing/2014/main" id="{DA214944-8898-48BC-AE6F-065DA7BBB8E8}"/>
+                <a16:creationId xmlns:a16="http://schemas.microsoft.com/office/drawing/2014/main" xmlns="" id="{DA214944-8898-48BC-AE6F-065DA7BBB8E8}"/>
               </a:ext>
               <a:ext uri="{C183D7F6-B498-43B3-948B-1728B52AA6E4}">
-                <adec:decorative xmlns:adec="http://schemas.microsoft.com/office/drawing/2017/decorative" val="1"/>
+                <adec:decorative xmlns:adec="http://schemas.microsoft.com/office/drawing/2017/decorative" xmlns="" val="1"/>
               </a:ext>
             </a:extLst>
           </p:cNvPr>
@@ -1455,7 +1455,7 @@
             <p:cNvPr id="8" name="Rectangle 7">
               <a:extLst>
                 <a:ext uri="{FF2B5EF4-FFF2-40B4-BE49-F238E27FC236}">
-                  <a16:creationId xmlns:a16="http://schemas.microsoft.com/office/drawing/2014/main" id="{B94B3AAB-30C4-441D-B481-D253F8325953}"/>
+                  <a16:creationId xmlns:a16="http://schemas.microsoft.com/office/drawing/2014/main" xmlns="" id="{B94B3AAB-30C4-441D-B481-D253F8325953}"/>
                 </a:ext>
               </a:extLst>
             </p:cNvPr>
@@ -1518,7 +1518,7 @@
             <p:cNvPr id="9" name="Straight Connector 8">
               <a:extLst>
                 <a:ext uri="{FF2B5EF4-FFF2-40B4-BE49-F238E27FC236}">
-                  <a16:creationId xmlns:a16="http://schemas.microsoft.com/office/drawing/2014/main" id="{FDCB6176-5585-40BC-BC9C-CA625F989F1B}"/>
+                  <a16:creationId xmlns:a16="http://schemas.microsoft.com/office/drawing/2014/main" xmlns="" id="{FDCB6176-5585-40BC-BC9C-CA625F989F1B}"/>
                 </a:ext>
               </a:extLst>
             </p:cNvPr>
@@ -1559,7 +1559,7 @@
             <p:cNvPr id="10" name="Straight Connector 9">
               <a:extLst>
                 <a:ext uri="{FF2B5EF4-FFF2-40B4-BE49-F238E27FC236}">
-                  <a16:creationId xmlns:a16="http://schemas.microsoft.com/office/drawing/2014/main" id="{77C4F1D9-97D8-43DD-A319-C56367F97FCE}"/>
+                  <a16:creationId xmlns:a16="http://schemas.microsoft.com/office/drawing/2014/main" xmlns="" id="{77C4F1D9-97D8-43DD-A319-C56367F97FCE}"/>
                 </a:ext>
               </a:extLst>
             </p:cNvPr>
@@ -1601,7 +1601,7 @@
           <p:cNvPr id="2" name="Title 1">
             <a:extLst>
               <a:ext uri="{FF2B5EF4-FFF2-40B4-BE49-F238E27FC236}">
-                <a16:creationId xmlns:a16="http://schemas.microsoft.com/office/drawing/2014/main" id="{D25E64ED-B373-4866-B5A2-E805D3168BBB}"/>
+                <a16:creationId xmlns:a16="http://schemas.microsoft.com/office/drawing/2014/main" xmlns="" id="{D25E64ED-B373-4866-B5A2-E805D3168BBB}"/>
               </a:ext>
             </a:extLst>
           </p:cNvPr>
@@ -1640,7 +1640,7 @@
           <p:cNvPr id="3" name="Text Placeholder 2">
             <a:extLst>
               <a:ext uri="{FF2B5EF4-FFF2-40B4-BE49-F238E27FC236}">
-                <a16:creationId xmlns:a16="http://schemas.microsoft.com/office/drawing/2014/main" id="{AB6D6168-DDAE-41B2-A0D5-42185A2D028C}"/>
+                <a16:creationId xmlns:a16="http://schemas.microsoft.com/office/drawing/2014/main" xmlns="" id="{AB6D6168-DDAE-41B2-A0D5-42185A2D028C}"/>
               </a:ext>
             </a:extLst>
           </p:cNvPr>
@@ -1795,7 +1795,7 @@
           <p:cNvPr id="2" name="Title 1">
             <a:extLst>
               <a:ext uri="{FF2B5EF4-FFF2-40B4-BE49-F238E27FC236}">
-                <a16:creationId xmlns:a16="http://schemas.microsoft.com/office/drawing/2014/main" id="{725825EB-71EE-41B3-89D2-47A0C7C3598E}"/>
+                <a16:creationId xmlns:a16="http://schemas.microsoft.com/office/drawing/2014/main" xmlns="" id="{725825EB-71EE-41B3-89D2-47A0C7C3598E}"/>
               </a:ext>
             </a:extLst>
           </p:cNvPr>
@@ -1823,7 +1823,7 @@
           <p:cNvPr id="3" name="Content Placeholder 2">
             <a:extLst>
               <a:ext uri="{FF2B5EF4-FFF2-40B4-BE49-F238E27FC236}">
-                <a16:creationId xmlns:a16="http://schemas.microsoft.com/office/drawing/2014/main" id="{DE662F7D-C4AD-4BD4-AAC8-F0223EE4A38B}"/>
+                <a16:creationId xmlns:a16="http://schemas.microsoft.com/office/drawing/2014/main" xmlns="" id="{DE662F7D-C4AD-4BD4-AAC8-F0223EE4A38B}"/>
               </a:ext>
             </a:extLst>
           </p:cNvPr>
@@ -1885,7 +1885,7 @@
           <p:cNvPr id="4" name="Content Placeholder 3">
             <a:extLst>
               <a:ext uri="{FF2B5EF4-FFF2-40B4-BE49-F238E27FC236}">
-                <a16:creationId xmlns:a16="http://schemas.microsoft.com/office/drawing/2014/main" id="{9D0FB088-28C6-4667-8DF2-0DE32AE3EC30}"/>
+                <a16:creationId xmlns:a16="http://schemas.microsoft.com/office/drawing/2014/main" xmlns="" id="{9D0FB088-28C6-4667-8DF2-0DE32AE3EC30}"/>
               </a:ext>
             </a:extLst>
           </p:cNvPr>
@@ -1947,7 +1947,7 @@
           <p:cNvPr id="5" name="Date Placeholder 4">
             <a:extLst>
               <a:ext uri="{FF2B5EF4-FFF2-40B4-BE49-F238E27FC236}">
-                <a16:creationId xmlns:a16="http://schemas.microsoft.com/office/drawing/2014/main" id="{BF36095F-AE34-4E94-B722-E3A1205AEEDC}"/>
+                <a16:creationId xmlns:a16="http://schemas.microsoft.com/office/drawing/2014/main" xmlns="" id="{BF36095F-AE34-4E94-B722-E3A1205AEEDC}"/>
               </a:ext>
             </a:extLst>
           </p:cNvPr>
@@ -1965,7 +1965,7 @@
           <a:p>
             <a:fld id="{C485584D-7D79-4248-9986-4CA35242F944}" type="datetimeFigureOut">
               <a:rPr lang="en-US" smtClean="0"/>
-              <a:t>12/12/23</a:t>
+              <a:t>12/12/2023</a:t>
             </a:fld>
             <a:endParaRPr lang="en-US"/>
           </a:p>
@@ -1976,7 +1976,7 @@
           <p:cNvPr id="6" name="Footer Placeholder 5">
             <a:extLst>
               <a:ext uri="{FF2B5EF4-FFF2-40B4-BE49-F238E27FC236}">
-                <a16:creationId xmlns:a16="http://schemas.microsoft.com/office/drawing/2014/main" id="{6E06A8E6-BD94-48EA-8F35-DA0DF910AC25}"/>
+                <a16:creationId xmlns:a16="http://schemas.microsoft.com/office/drawing/2014/main" xmlns="" id="{6E06A8E6-BD94-48EA-8F35-DA0DF910AC25}"/>
               </a:ext>
             </a:extLst>
           </p:cNvPr>
@@ -2001,7 +2001,7 @@
           <p:cNvPr id="7" name="Slide Number Placeholder 6">
             <a:extLst>
               <a:ext uri="{FF2B5EF4-FFF2-40B4-BE49-F238E27FC236}">
-                <a16:creationId xmlns:a16="http://schemas.microsoft.com/office/drawing/2014/main" id="{50478AEF-56B8-49F5-81E8-663B1FFA073B}"/>
+                <a16:creationId xmlns:a16="http://schemas.microsoft.com/office/drawing/2014/main" xmlns="" id="{50478AEF-56B8-49F5-81E8-663B1FFA073B}"/>
               </a:ext>
             </a:extLst>
           </p:cNvPr>
@@ -2060,7 +2060,7 @@
           <p:cNvPr id="2" name="Title 1">
             <a:extLst>
               <a:ext uri="{FF2B5EF4-FFF2-40B4-BE49-F238E27FC236}">
-                <a16:creationId xmlns:a16="http://schemas.microsoft.com/office/drawing/2014/main" id="{EFCF873F-001F-4254-97F3-05329E6A7B67}"/>
+                <a16:creationId xmlns:a16="http://schemas.microsoft.com/office/drawing/2014/main" xmlns="" id="{EFCF873F-001F-4254-97F3-05329E6A7B67}"/>
               </a:ext>
             </a:extLst>
           </p:cNvPr>
@@ -2093,7 +2093,7 @@
           <p:cNvPr id="3" name="Text Placeholder 2">
             <a:extLst>
               <a:ext uri="{FF2B5EF4-FFF2-40B4-BE49-F238E27FC236}">
-                <a16:creationId xmlns:a16="http://schemas.microsoft.com/office/drawing/2014/main" id="{4A37B575-060F-4296-A28A-93DA109F96F5}"/>
+                <a16:creationId xmlns:a16="http://schemas.microsoft.com/office/drawing/2014/main" xmlns="" id="{4A37B575-060F-4296-A28A-93DA109F96F5}"/>
               </a:ext>
             </a:extLst>
           </p:cNvPr>
@@ -2166,7 +2166,7 @@
           <p:cNvPr id="4" name="Content Placeholder 3">
             <a:extLst>
               <a:ext uri="{FF2B5EF4-FFF2-40B4-BE49-F238E27FC236}">
-                <a16:creationId xmlns:a16="http://schemas.microsoft.com/office/drawing/2014/main" id="{BA581A51-F4D1-4A02-9918-C416F820B646}"/>
+                <a16:creationId xmlns:a16="http://schemas.microsoft.com/office/drawing/2014/main" xmlns="" id="{BA581A51-F4D1-4A02-9918-C416F820B646}"/>
               </a:ext>
             </a:extLst>
           </p:cNvPr>
@@ -2228,7 +2228,7 @@
           <p:cNvPr id="5" name="Text Placeholder 4">
             <a:extLst>
               <a:ext uri="{FF2B5EF4-FFF2-40B4-BE49-F238E27FC236}">
-                <a16:creationId xmlns:a16="http://schemas.microsoft.com/office/drawing/2014/main" id="{D32916D0-3DFE-455D-9888-3FDEFD3DE0CD}"/>
+                <a16:creationId xmlns:a16="http://schemas.microsoft.com/office/drawing/2014/main" xmlns="" id="{D32916D0-3DFE-455D-9888-3FDEFD3DE0CD}"/>
               </a:ext>
             </a:extLst>
           </p:cNvPr>
@@ -2301,7 +2301,7 @@
           <p:cNvPr id="6" name="Content Placeholder 5">
             <a:extLst>
               <a:ext uri="{FF2B5EF4-FFF2-40B4-BE49-F238E27FC236}">
-                <a16:creationId xmlns:a16="http://schemas.microsoft.com/office/drawing/2014/main" id="{F093D763-0643-4A48-8007-93391C59F6D5}"/>
+                <a16:creationId xmlns:a16="http://schemas.microsoft.com/office/drawing/2014/main" xmlns="" id="{F093D763-0643-4A48-8007-93391C59F6D5}"/>
               </a:ext>
             </a:extLst>
           </p:cNvPr>
@@ -2363,7 +2363,7 @@
           <p:cNvPr id="7" name="Date Placeholder 6">
             <a:extLst>
               <a:ext uri="{FF2B5EF4-FFF2-40B4-BE49-F238E27FC236}">
-                <a16:creationId xmlns:a16="http://schemas.microsoft.com/office/drawing/2014/main" id="{69A2D07B-3A5D-41C2-83B8-BD1AD6522CAD}"/>
+                <a16:creationId xmlns:a16="http://schemas.microsoft.com/office/drawing/2014/main" xmlns="" id="{69A2D07B-3A5D-41C2-83B8-BD1AD6522CAD}"/>
               </a:ext>
             </a:extLst>
           </p:cNvPr>
@@ -2381,7 +2381,7 @@
           <a:p>
             <a:fld id="{C485584D-7D79-4248-9986-4CA35242F944}" type="datetimeFigureOut">
               <a:rPr lang="en-US" smtClean="0"/>
-              <a:t>12/12/23</a:t>
+              <a:t>12/12/2023</a:t>
             </a:fld>
             <a:endParaRPr lang="en-US"/>
           </a:p>
@@ -2392,7 +2392,7 @@
           <p:cNvPr id="8" name="Footer Placeholder 7">
             <a:extLst>
               <a:ext uri="{FF2B5EF4-FFF2-40B4-BE49-F238E27FC236}">
-                <a16:creationId xmlns:a16="http://schemas.microsoft.com/office/drawing/2014/main" id="{0E2C1367-FE5A-4CDD-B85B-724FFFE5B58F}"/>
+                <a16:creationId xmlns:a16="http://schemas.microsoft.com/office/drawing/2014/main" xmlns="" id="{0E2C1367-FE5A-4CDD-B85B-724FFFE5B58F}"/>
               </a:ext>
             </a:extLst>
           </p:cNvPr>
@@ -2417,7 +2417,7 @@
           <p:cNvPr id="9" name="Slide Number Placeholder 8">
             <a:extLst>
               <a:ext uri="{FF2B5EF4-FFF2-40B4-BE49-F238E27FC236}">
-                <a16:creationId xmlns:a16="http://schemas.microsoft.com/office/drawing/2014/main" id="{9992F244-23EB-4E1A-B74F-77F23F87978D}"/>
+                <a16:creationId xmlns:a16="http://schemas.microsoft.com/office/drawing/2014/main" xmlns="" id="{9992F244-23EB-4E1A-B74F-77F23F87978D}"/>
               </a:ext>
             </a:extLst>
           </p:cNvPr>
@@ -2476,7 +2476,7 @@
           <p:cNvPr id="2" name="Title 1">
             <a:extLst>
               <a:ext uri="{FF2B5EF4-FFF2-40B4-BE49-F238E27FC236}">
-                <a16:creationId xmlns:a16="http://schemas.microsoft.com/office/drawing/2014/main" id="{FB876C0A-BEF4-4DE4-A9D2-C60298FC7F99}"/>
+                <a16:creationId xmlns:a16="http://schemas.microsoft.com/office/drawing/2014/main" xmlns="" id="{FB876C0A-BEF4-4DE4-A9D2-C60298FC7F99}"/>
               </a:ext>
             </a:extLst>
           </p:cNvPr>
@@ -2504,7 +2504,7 @@
           <p:cNvPr id="3" name="Date Placeholder 2">
             <a:extLst>
               <a:ext uri="{FF2B5EF4-FFF2-40B4-BE49-F238E27FC236}">
-                <a16:creationId xmlns:a16="http://schemas.microsoft.com/office/drawing/2014/main" id="{1367C0AC-3C98-4D68-AE72-CFFA1638CC02}"/>
+                <a16:creationId xmlns:a16="http://schemas.microsoft.com/office/drawing/2014/main" xmlns="" id="{1367C0AC-3C98-4D68-AE72-CFFA1638CC02}"/>
               </a:ext>
             </a:extLst>
           </p:cNvPr>
@@ -2522,7 +2522,7 @@
           <a:p>
             <a:fld id="{C485584D-7D79-4248-9986-4CA35242F944}" type="datetimeFigureOut">
               <a:rPr lang="en-US" smtClean="0"/>
-              <a:t>12/12/23</a:t>
+              <a:t>12/12/2023</a:t>
             </a:fld>
             <a:endParaRPr lang="en-US"/>
           </a:p>
@@ -2533,7 +2533,7 @@
           <p:cNvPr id="4" name="Footer Placeholder 3">
             <a:extLst>
               <a:ext uri="{FF2B5EF4-FFF2-40B4-BE49-F238E27FC236}">
-                <a16:creationId xmlns:a16="http://schemas.microsoft.com/office/drawing/2014/main" id="{FEA7722A-E2E4-45D2-8A20-4853ED6837B1}"/>
+                <a16:creationId xmlns:a16="http://schemas.microsoft.com/office/drawing/2014/main" xmlns="" id="{FEA7722A-E2E4-45D2-8A20-4853ED6837B1}"/>
               </a:ext>
             </a:extLst>
           </p:cNvPr>
@@ -2558,7 +2558,7 @@
           <p:cNvPr id="5" name="Slide Number Placeholder 4">
             <a:extLst>
               <a:ext uri="{FF2B5EF4-FFF2-40B4-BE49-F238E27FC236}">
-                <a16:creationId xmlns:a16="http://schemas.microsoft.com/office/drawing/2014/main" id="{146B9201-B20B-4412-B745-F2F6A91487E8}"/>
+                <a16:creationId xmlns:a16="http://schemas.microsoft.com/office/drawing/2014/main" xmlns="" id="{146B9201-B20B-4412-B745-F2F6A91487E8}"/>
               </a:ext>
             </a:extLst>
           </p:cNvPr>
@@ -2617,7 +2617,7 @@
           <p:cNvPr id="2" name="Date Placeholder 1">
             <a:extLst>
               <a:ext uri="{FF2B5EF4-FFF2-40B4-BE49-F238E27FC236}">
-                <a16:creationId xmlns:a16="http://schemas.microsoft.com/office/drawing/2014/main" id="{CBC4889A-9ABE-4409-BAD8-F84C36C1FA09}"/>
+                <a16:creationId xmlns:a16="http://schemas.microsoft.com/office/drawing/2014/main" xmlns="" id="{CBC4889A-9ABE-4409-BAD8-F84C36C1FA09}"/>
               </a:ext>
             </a:extLst>
           </p:cNvPr>
@@ -2635,7 +2635,7 @@
           <a:p>
             <a:fld id="{C485584D-7D79-4248-9986-4CA35242F944}" type="datetimeFigureOut">
               <a:rPr lang="en-US" smtClean="0"/>
-              <a:t>12/12/23</a:t>
+              <a:t>12/12/2023</a:t>
             </a:fld>
             <a:endParaRPr lang="en-US"/>
           </a:p>
@@ -2646,7 +2646,7 @@
           <p:cNvPr id="3" name="Footer Placeholder 2">
             <a:extLst>
               <a:ext uri="{FF2B5EF4-FFF2-40B4-BE49-F238E27FC236}">
-                <a16:creationId xmlns:a16="http://schemas.microsoft.com/office/drawing/2014/main" id="{7DDA5A70-FE21-4CB6-A67B-1DC798E9E3B1}"/>
+                <a16:creationId xmlns:a16="http://schemas.microsoft.com/office/drawing/2014/main" xmlns="" id="{7DDA5A70-FE21-4CB6-A67B-1DC798E9E3B1}"/>
               </a:ext>
             </a:extLst>
           </p:cNvPr>
@@ -2671,7 +2671,7 @@
           <p:cNvPr id="4" name="Slide Number Placeholder 3">
             <a:extLst>
               <a:ext uri="{FF2B5EF4-FFF2-40B4-BE49-F238E27FC236}">
-                <a16:creationId xmlns:a16="http://schemas.microsoft.com/office/drawing/2014/main" id="{B984AD11-7FD2-432C-A6AB-395BE9275C1B}"/>
+                <a16:creationId xmlns:a16="http://schemas.microsoft.com/office/drawing/2014/main" xmlns="" id="{B984AD11-7FD2-432C-A6AB-395BE9275C1B}"/>
               </a:ext>
             </a:extLst>
           </p:cNvPr>
@@ -2730,7 +2730,7 @@
           <p:cNvPr id="2" name="Title 1">
             <a:extLst>
               <a:ext uri="{FF2B5EF4-FFF2-40B4-BE49-F238E27FC236}">
-                <a16:creationId xmlns:a16="http://schemas.microsoft.com/office/drawing/2014/main" id="{EFF397CF-9CDD-4E78-8F35-A2FFE7867419}"/>
+                <a16:creationId xmlns:a16="http://schemas.microsoft.com/office/drawing/2014/main" xmlns="" id="{EFF397CF-9CDD-4E78-8F35-A2FFE7867419}"/>
               </a:ext>
             </a:extLst>
           </p:cNvPr>
@@ -2768,7 +2768,7 @@
           <p:cNvPr id="3" name="Content Placeholder 2">
             <a:extLst>
               <a:ext uri="{FF2B5EF4-FFF2-40B4-BE49-F238E27FC236}">
-                <a16:creationId xmlns:a16="http://schemas.microsoft.com/office/drawing/2014/main" id="{87194BFE-7A85-4123-B0F7-4DB1C141CE60}"/>
+                <a16:creationId xmlns:a16="http://schemas.microsoft.com/office/drawing/2014/main" xmlns="" id="{87194BFE-7A85-4123-B0F7-4DB1C141CE60}"/>
               </a:ext>
             </a:extLst>
           </p:cNvPr>
@@ -2859,7 +2859,7 @@
           <p:cNvPr id="4" name="Text Placeholder 3">
             <a:extLst>
               <a:ext uri="{FF2B5EF4-FFF2-40B4-BE49-F238E27FC236}">
-                <a16:creationId xmlns:a16="http://schemas.microsoft.com/office/drawing/2014/main" id="{641EFD6D-1929-4A73-A860-22A36FF5C17D}"/>
+                <a16:creationId xmlns:a16="http://schemas.microsoft.com/office/drawing/2014/main" xmlns="" id="{641EFD6D-1929-4A73-A860-22A36FF5C17D}"/>
               </a:ext>
             </a:extLst>
           </p:cNvPr>
@@ -2930,7 +2930,7 @@
           <p:cNvPr id="5" name="Date Placeholder 4">
             <a:extLst>
               <a:ext uri="{FF2B5EF4-FFF2-40B4-BE49-F238E27FC236}">
-                <a16:creationId xmlns:a16="http://schemas.microsoft.com/office/drawing/2014/main" id="{A9B399A5-94A1-4452-AFF0-918BDA8B14F9}"/>
+                <a16:creationId xmlns:a16="http://schemas.microsoft.com/office/drawing/2014/main" xmlns="" id="{A9B399A5-94A1-4452-AFF0-918BDA8B14F9}"/>
               </a:ext>
             </a:extLst>
           </p:cNvPr>
@@ -2948,7 +2948,7 @@
           <a:p>
             <a:fld id="{C485584D-7D79-4248-9986-4CA35242F944}" type="datetimeFigureOut">
               <a:rPr lang="en-US" smtClean="0"/>
-              <a:t>12/12/23</a:t>
+              <a:t>12/12/2023</a:t>
             </a:fld>
             <a:endParaRPr lang="en-US"/>
           </a:p>
@@ -2959,7 +2959,7 @@
           <p:cNvPr id="6" name="Footer Placeholder 5">
             <a:extLst>
               <a:ext uri="{FF2B5EF4-FFF2-40B4-BE49-F238E27FC236}">
-                <a16:creationId xmlns:a16="http://schemas.microsoft.com/office/drawing/2014/main" id="{489589D8-DD83-406C-A77A-176D23993BA8}"/>
+                <a16:creationId xmlns:a16="http://schemas.microsoft.com/office/drawing/2014/main" xmlns="" id="{489589D8-DD83-406C-A77A-176D23993BA8}"/>
               </a:ext>
             </a:extLst>
           </p:cNvPr>
@@ -2984,7 +2984,7 @@
           <p:cNvPr id="7" name="Slide Number Placeholder 6">
             <a:extLst>
               <a:ext uri="{FF2B5EF4-FFF2-40B4-BE49-F238E27FC236}">
-                <a16:creationId xmlns:a16="http://schemas.microsoft.com/office/drawing/2014/main" id="{6DE46024-82ED-40EF-8846-F6CC44BC53DE}"/>
+                <a16:creationId xmlns:a16="http://schemas.microsoft.com/office/drawing/2014/main" xmlns="" id="{6DE46024-82ED-40EF-8846-F6CC44BC53DE}"/>
               </a:ext>
             </a:extLst>
           </p:cNvPr>
@@ -3043,7 +3043,7 @@
           <p:cNvPr id="2" name="Title 1">
             <a:extLst>
               <a:ext uri="{FF2B5EF4-FFF2-40B4-BE49-F238E27FC236}">
-                <a16:creationId xmlns:a16="http://schemas.microsoft.com/office/drawing/2014/main" id="{70BD12FA-83A4-42AF-98D7-312C4C5A7128}"/>
+                <a16:creationId xmlns:a16="http://schemas.microsoft.com/office/drawing/2014/main" xmlns="" id="{70BD12FA-83A4-42AF-98D7-312C4C5A7128}"/>
               </a:ext>
             </a:extLst>
           </p:cNvPr>
@@ -3081,7 +3081,7 @@
           <p:cNvPr id="3" name="Picture Placeholder 2">
             <a:extLst>
               <a:ext uri="{FF2B5EF4-FFF2-40B4-BE49-F238E27FC236}">
-                <a16:creationId xmlns:a16="http://schemas.microsoft.com/office/drawing/2014/main" id="{46CF1DC8-2932-4C6E-BFBB-8BA1C9598425}"/>
+                <a16:creationId xmlns:a16="http://schemas.microsoft.com/office/drawing/2014/main" xmlns="" id="{46CF1DC8-2932-4C6E-BFBB-8BA1C9598425}"/>
               </a:ext>
             </a:extLst>
           </p:cNvPr>
@@ -3151,7 +3151,7 @@
           <p:cNvPr id="4" name="Text Placeholder 3">
             <a:extLst>
               <a:ext uri="{FF2B5EF4-FFF2-40B4-BE49-F238E27FC236}">
-                <a16:creationId xmlns:a16="http://schemas.microsoft.com/office/drawing/2014/main" id="{8D6E0000-EF01-46A5-8A71-25FB7EA3F94A}"/>
+                <a16:creationId xmlns:a16="http://schemas.microsoft.com/office/drawing/2014/main" xmlns="" id="{8D6E0000-EF01-46A5-8A71-25FB7EA3F94A}"/>
               </a:ext>
             </a:extLst>
           </p:cNvPr>
@@ -3222,7 +3222,7 @@
           <p:cNvPr id="5" name="Date Placeholder 4">
             <a:extLst>
               <a:ext uri="{FF2B5EF4-FFF2-40B4-BE49-F238E27FC236}">
-                <a16:creationId xmlns:a16="http://schemas.microsoft.com/office/drawing/2014/main" id="{401AD40B-9246-4532-9F73-5BA9061C3ABA}"/>
+                <a16:creationId xmlns:a16="http://schemas.microsoft.com/office/drawing/2014/main" xmlns="" id="{401AD40B-9246-4532-9F73-5BA9061C3ABA}"/>
               </a:ext>
             </a:extLst>
           </p:cNvPr>
@@ -3240,7 +3240,7 @@
           <a:p>
             <a:fld id="{C485584D-7D79-4248-9986-4CA35242F944}" type="datetimeFigureOut">
               <a:rPr lang="en-US" smtClean="0"/>
-              <a:t>12/12/23</a:t>
+              <a:t>12/12/2023</a:t>
             </a:fld>
             <a:endParaRPr lang="en-US"/>
           </a:p>
@@ -3251,7 +3251,7 @@
           <p:cNvPr id="6" name="Footer Placeholder 5">
             <a:extLst>
               <a:ext uri="{FF2B5EF4-FFF2-40B4-BE49-F238E27FC236}">
-                <a16:creationId xmlns:a16="http://schemas.microsoft.com/office/drawing/2014/main" id="{8BE6B9A0-5B1C-4F7B-828A-EF74E51478BD}"/>
+                <a16:creationId xmlns:a16="http://schemas.microsoft.com/office/drawing/2014/main" xmlns="" id="{8BE6B9A0-5B1C-4F7B-828A-EF74E51478BD}"/>
               </a:ext>
             </a:extLst>
           </p:cNvPr>
@@ -3276,7 +3276,7 @@
           <p:cNvPr id="7" name="Slide Number Placeholder 6">
             <a:extLst>
               <a:ext uri="{FF2B5EF4-FFF2-40B4-BE49-F238E27FC236}">
-                <a16:creationId xmlns:a16="http://schemas.microsoft.com/office/drawing/2014/main" id="{A82E99FB-C932-4165-A612-8B302D8F7229}"/>
+                <a16:creationId xmlns:a16="http://schemas.microsoft.com/office/drawing/2014/main" xmlns="" id="{A82E99FB-C932-4165-A612-8B302D8F7229}"/>
               </a:ext>
             </a:extLst>
           </p:cNvPr>
@@ -3340,7 +3340,7 @@
           <p:cNvPr id="2" name="Title Placeholder 1">
             <a:extLst>
               <a:ext uri="{FF2B5EF4-FFF2-40B4-BE49-F238E27FC236}">
-                <a16:creationId xmlns:a16="http://schemas.microsoft.com/office/drawing/2014/main" id="{16CE7638-D991-46E7-BF2C-67D1AC829628}"/>
+                <a16:creationId xmlns:a16="http://schemas.microsoft.com/office/drawing/2014/main" xmlns="" id="{16CE7638-D991-46E7-BF2C-67D1AC829628}"/>
               </a:ext>
             </a:extLst>
           </p:cNvPr>
@@ -3378,7 +3378,7 @@
           <p:cNvPr id="3" name="Text Placeholder 2">
             <a:extLst>
               <a:ext uri="{FF2B5EF4-FFF2-40B4-BE49-F238E27FC236}">
-                <a16:creationId xmlns:a16="http://schemas.microsoft.com/office/drawing/2014/main" id="{CA7C6B9C-4923-4DAB-9748-D5CD289EB978}"/>
+                <a16:creationId xmlns:a16="http://schemas.microsoft.com/office/drawing/2014/main" xmlns="" id="{CA7C6B9C-4923-4DAB-9748-D5CD289EB978}"/>
               </a:ext>
             </a:extLst>
           </p:cNvPr>
@@ -3445,7 +3445,7 @@
           <p:cNvPr id="6" name="Slide Number Placeholder 5">
             <a:extLst>
               <a:ext uri="{FF2B5EF4-FFF2-40B4-BE49-F238E27FC236}">
-                <a16:creationId xmlns:a16="http://schemas.microsoft.com/office/drawing/2014/main" id="{E7578CF6-4B33-40E4-B881-5F4C568378E1}"/>
+                <a16:creationId xmlns:a16="http://schemas.microsoft.com/office/drawing/2014/main" xmlns="" id="{E7578CF6-4B33-40E4-B881-5F4C568378E1}"/>
               </a:ext>
             </a:extLst>
           </p:cNvPr>
@@ -3490,7 +3490,7 @@
           <p:cNvPr id="4" name="Date Placeholder 3">
             <a:extLst>
               <a:ext uri="{FF2B5EF4-FFF2-40B4-BE49-F238E27FC236}">
-                <a16:creationId xmlns:a16="http://schemas.microsoft.com/office/drawing/2014/main" id="{25AE857E-F564-4539-9984-10435B6140AC}"/>
+                <a16:creationId xmlns:a16="http://schemas.microsoft.com/office/drawing/2014/main" xmlns="" id="{25AE857E-F564-4539-9984-10435B6140AC}"/>
               </a:ext>
             </a:extLst>
           </p:cNvPr>
@@ -3524,7 +3524,7 @@
           <a:p>
             <a:fld id="{C485584D-7D79-4248-9986-4CA35242F944}" type="datetimeFigureOut">
               <a:rPr lang="en-US" smtClean="0"/>
-              <a:t>12/12/23</a:t>
+              <a:t>12/12/2023</a:t>
             </a:fld>
             <a:endParaRPr lang="en-US"/>
           </a:p>
@@ -3535,7 +3535,7 @@
           <p:cNvPr id="5" name="Footer Placeholder 4">
             <a:extLst>
               <a:ext uri="{FF2B5EF4-FFF2-40B4-BE49-F238E27FC236}">
-                <a16:creationId xmlns:a16="http://schemas.microsoft.com/office/drawing/2014/main" id="{7D1EABEF-B998-4B11-A878-8F492F8E3983}"/>
+                <a16:creationId xmlns:a16="http://schemas.microsoft.com/office/drawing/2014/main" xmlns="" id="{7D1EABEF-B998-4B11-A878-8F492F8E3983}"/>
               </a:ext>
             </a:extLst>
           </p:cNvPr>
@@ -3576,7 +3576,7 @@
           <p:cNvPr id="16" name="Freeform: Shape 15">
             <a:extLst>
               <a:ext uri="{FF2B5EF4-FFF2-40B4-BE49-F238E27FC236}">
-                <a16:creationId xmlns:a16="http://schemas.microsoft.com/office/drawing/2014/main" id="{9EB54D17-3792-403D-9127-495845021D2B}"/>
+                <a16:creationId xmlns:a16="http://schemas.microsoft.com/office/drawing/2014/main" xmlns="" id="{9EB54D17-3792-403D-9127-495845021D2B}"/>
               </a:ext>
             </a:extLst>
           </p:cNvPr>
@@ -4037,10 +4037,10 @@
           <p:cNvPr id="17" name="Rectangle 8">
             <a:extLst>
               <a:ext uri="{FF2B5EF4-FFF2-40B4-BE49-F238E27FC236}">
-                <a16:creationId xmlns:a16="http://schemas.microsoft.com/office/drawing/2014/main" id="{DD8EACB7-D372-470B-B76E-A829D00310CD}"/>
+                <a16:creationId xmlns:a16="http://schemas.microsoft.com/office/drawing/2014/main" xmlns="" id="{DD8EACB7-D372-470B-B76E-A829D00310CD}"/>
               </a:ext>
               <a:ext uri="{C183D7F6-B498-43B3-948B-1728B52AA6E4}">
-                <adec:decorative xmlns:adec="http://schemas.microsoft.com/office/drawing/2017/decorative" val="1"/>
+                <adec:decorative xmlns:adec="http://schemas.microsoft.com/office/drawing/2017/decorative" xmlns="" val="1"/>
               </a:ext>
             </a:extLst>
           </p:cNvPr>
@@ -4050,7 +4050,7 @@
           <p:nvPr>
             <p:extLst>
               <p:ext uri="{386F3935-93C4-4BCD-93E2-E3B085C9AB24}">
-                <p16:designElem xmlns:p16="http://schemas.microsoft.com/office/powerpoint/2015/main" val="1"/>
+                <p16:designElem xmlns:p16="http://schemas.microsoft.com/office/powerpoint/2015/main" xmlns="" val="1"/>
               </p:ext>
             </p:extLst>
           </p:nvPr>
@@ -4113,7 +4113,7 @@
           <p:cNvPr id="18" name="Picture 3" descr="A blue abstract watercolor pattern on a white background">
             <a:extLst>
               <a:ext uri="{FF2B5EF4-FFF2-40B4-BE49-F238E27FC236}">
-                <a16:creationId xmlns:a16="http://schemas.microsoft.com/office/drawing/2014/main" id="{E070731E-EBD1-ADE7-517B-33DC09A0A4B3}"/>
+                <a16:creationId xmlns:a16="http://schemas.microsoft.com/office/drawing/2014/main" xmlns="" id="{E070731E-EBD1-ADE7-517B-33DC09A0A4B3}"/>
               </a:ext>
             </a:extLst>
           </p:cNvPr>
@@ -4142,10 +4142,10 @@
           <p:cNvPr id="19" name="Rectangle 5">
             <a:extLst>
               <a:ext uri="{FF2B5EF4-FFF2-40B4-BE49-F238E27FC236}">
-                <a16:creationId xmlns:a16="http://schemas.microsoft.com/office/drawing/2014/main" id="{FBE11A49-02A1-4D4C-9A49-CDF496B1094F}"/>
+                <a16:creationId xmlns:a16="http://schemas.microsoft.com/office/drawing/2014/main" xmlns="" id="{FBE11A49-02A1-4D4C-9A49-CDF496B1094F}"/>
               </a:ext>
               <a:ext uri="{C183D7F6-B498-43B3-948B-1728B52AA6E4}">
-                <adec:decorative xmlns:adec="http://schemas.microsoft.com/office/drawing/2017/decorative" val="1"/>
+                <adec:decorative xmlns:adec="http://schemas.microsoft.com/office/drawing/2017/decorative" xmlns="" val="1"/>
               </a:ext>
             </a:extLst>
           </p:cNvPr>
@@ -4155,7 +4155,7 @@
           <p:nvPr>
             <p:extLst>
               <p:ext uri="{386F3935-93C4-4BCD-93E2-E3B085C9AB24}">
-                <p16:designElem xmlns:p16="http://schemas.microsoft.com/office/powerpoint/2015/main" val="1"/>
+                <p16:designElem xmlns:p16="http://schemas.microsoft.com/office/powerpoint/2015/main" xmlns="" val="1"/>
               </p:ext>
             </p:extLst>
           </p:nvPr>
@@ -4288,7 +4288,7 @@
           <p:cNvPr id="2" name="Title 1">
             <a:extLst>
               <a:ext uri="{FF2B5EF4-FFF2-40B4-BE49-F238E27FC236}">
-                <a16:creationId xmlns:a16="http://schemas.microsoft.com/office/drawing/2014/main" id="{DC949E78-0EC1-0695-AA0A-FBB3C4D4A51E}"/>
+                <a16:creationId xmlns:a16="http://schemas.microsoft.com/office/drawing/2014/main" xmlns="" id="{DC949E78-0EC1-0695-AA0A-FBB3C4D4A51E}"/>
               </a:ext>
             </a:extLst>
           </p:cNvPr>
@@ -4327,7 +4327,7 @@
           <p:cNvPr id="3" name="Subtitle 2">
             <a:extLst>
               <a:ext uri="{FF2B5EF4-FFF2-40B4-BE49-F238E27FC236}">
-                <a16:creationId xmlns:a16="http://schemas.microsoft.com/office/drawing/2014/main" id="{5DF50B34-7F53-0159-29A9-7A7B2D0BB12D}"/>
+                <a16:creationId xmlns:a16="http://schemas.microsoft.com/office/drawing/2014/main" xmlns="" id="{5DF50B34-7F53-0159-29A9-7A7B2D0BB12D}"/>
               </a:ext>
             </a:extLst>
           </p:cNvPr>
@@ -4378,10 +4378,10 @@
           <p:cNvPr id="20" name="Group 12">
             <a:extLst>
               <a:ext uri="{FF2B5EF4-FFF2-40B4-BE49-F238E27FC236}">
-                <a16:creationId xmlns:a16="http://schemas.microsoft.com/office/drawing/2014/main" id="{F1732D3A-CFF0-45BE-AD79-F83D0272C6C6}"/>
+                <a16:creationId xmlns:a16="http://schemas.microsoft.com/office/drawing/2014/main" xmlns="" id="{F1732D3A-CFF0-45BE-AD79-F83D0272C6C6}"/>
               </a:ext>
               <a:ext uri="{C183D7F6-B498-43B3-948B-1728B52AA6E4}">
-                <adec:decorative xmlns:adec="http://schemas.microsoft.com/office/drawing/2017/decorative" val="1"/>
+                <adec:decorative xmlns:adec="http://schemas.microsoft.com/office/drawing/2017/decorative" xmlns="" val="1"/>
               </a:ext>
             </a:extLst>
           </p:cNvPr>
@@ -4391,7 +4391,7 @@
           <p:nvPr>
             <p:extLst>
               <p:ext uri="{386F3935-93C4-4BCD-93E2-E3B085C9AB24}">
-                <p16:designElem xmlns:p16="http://schemas.microsoft.com/office/powerpoint/2015/main" val="1"/>
+                <p16:designElem xmlns:p16="http://schemas.microsoft.com/office/powerpoint/2015/main" xmlns="" val="1"/>
               </p:ext>
             </p:extLst>
           </p:nvPr>
@@ -4409,10 +4409,10 @@
             <p:cNvPr id="14" name="Rectangle 13">
               <a:extLst>
                 <a:ext uri="{FF2B5EF4-FFF2-40B4-BE49-F238E27FC236}">
-                  <a16:creationId xmlns:a16="http://schemas.microsoft.com/office/drawing/2014/main" id="{C892F72C-7FB6-49C8-A402-D5DC42DB6746}"/>
+                  <a16:creationId xmlns:a16="http://schemas.microsoft.com/office/drawing/2014/main" xmlns="" id="{C892F72C-7FB6-49C8-A402-D5DC42DB6746}"/>
                 </a:ext>
                 <a:ext uri="{C183D7F6-B498-43B3-948B-1728B52AA6E4}">
-                  <adec:decorative xmlns:adec="http://schemas.microsoft.com/office/drawing/2017/decorative" val="1"/>
+                  <adec:decorative xmlns:adec="http://schemas.microsoft.com/office/drawing/2017/decorative" xmlns="" val="1"/>
                 </a:ext>
               </a:extLst>
             </p:cNvPr>
@@ -4420,7 +4420,7 @@
             <p:nvPr>
               <p:extLst>
                 <p:ext uri="{386F3935-93C4-4BCD-93E2-E3B085C9AB24}">
-                  <p16:designElem xmlns:p16="http://schemas.microsoft.com/office/powerpoint/2015/main" val="1"/>
+                  <p16:designElem xmlns:p16="http://schemas.microsoft.com/office/powerpoint/2015/main" xmlns="" val="1"/>
                 </p:ext>
               </p:extLst>
             </p:nvPr>
@@ -4470,10 +4470,10 @@
             <p:cNvPr id="15" name="Straight Connector 14">
               <a:extLst>
                 <a:ext uri="{FF2B5EF4-FFF2-40B4-BE49-F238E27FC236}">
-                  <a16:creationId xmlns:a16="http://schemas.microsoft.com/office/drawing/2014/main" id="{FC92C2E1-605F-49BD-8AC8-DC52B3015E39}"/>
+                  <a16:creationId xmlns:a16="http://schemas.microsoft.com/office/drawing/2014/main" xmlns="" id="{FC92C2E1-605F-49BD-8AC8-DC52B3015E39}"/>
                 </a:ext>
                 <a:ext uri="{C183D7F6-B498-43B3-948B-1728B52AA6E4}">
-                  <adec:decorative xmlns:adec="http://schemas.microsoft.com/office/drawing/2017/decorative" val="1"/>
+                  <adec:decorative xmlns:adec="http://schemas.microsoft.com/office/drawing/2017/decorative" xmlns="" val="1"/>
                 </a:ext>
               </a:extLst>
             </p:cNvPr>
@@ -4481,7 +4481,7 @@
             <p:nvPr>
               <p:extLst>
                 <p:ext uri="{386F3935-93C4-4BCD-93E2-E3B085C9AB24}">
-                  <p16:designElem xmlns:p16="http://schemas.microsoft.com/office/powerpoint/2015/main" val="1"/>
+                  <p16:designElem xmlns:p16="http://schemas.microsoft.com/office/powerpoint/2015/main" xmlns="" val="1"/>
                 </p:ext>
               </p:extLst>
             </p:nvPr>
@@ -4520,10 +4520,10 @@
             <p:cNvPr id="16" name="Straight Connector 15">
               <a:extLst>
                 <a:ext uri="{FF2B5EF4-FFF2-40B4-BE49-F238E27FC236}">
-                  <a16:creationId xmlns:a16="http://schemas.microsoft.com/office/drawing/2014/main" id="{38BE2E0F-EE6D-4748-AB8F-724D0DDC6E00}"/>
+                  <a16:creationId xmlns:a16="http://schemas.microsoft.com/office/drawing/2014/main" xmlns="" id="{38BE2E0F-EE6D-4748-AB8F-724D0DDC6E00}"/>
                 </a:ext>
                 <a:ext uri="{C183D7F6-B498-43B3-948B-1728B52AA6E4}">
-                  <adec:decorative xmlns:adec="http://schemas.microsoft.com/office/drawing/2017/decorative" val="1"/>
+                  <adec:decorative xmlns:adec="http://schemas.microsoft.com/office/drawing/2017/decorative" xmlns="" val="1"/>
                 </a:ext>
               </a:extLst>
             </p:cNvPr>
@@ -4531,7 +4531,7 @@
             <p:nvPr>
               <p:extLst>
                 <p:ext uri="{386F3935-93C4-4BCD-93E2-E3B085C9AB24}">
-                  <p16:designElem xmlns:p16="http://schemas.microsoft.com/office/powerpoint/2015/main" val="1"/>
+                  <p16:designElem xmlns:p16="http://schemas.microsoft.com/office/powerpoint/2015/main" xmlns="" val="1"/>
                 </p:ext>
               </p:extLst>
             </p:nvPr>
@@ -4571,7 +4571,7 @@
           <p:cNvPr id="6" name="Picture 5" descr="A logo of a person with glasses&#10;&#10;Description automatically generated">
             <a:extLst>
               <a:ext uri="{FF2B5EF4-FFF2-40B4-BE49-F238E27FC236}">
-                <a16:creationId xmlns:a16="http://schemas.microsoft.com/office/drawing/2014/main" id="{EC1B70AB-4AF2-8081-F252-DC8953E87874}"/>
+                <a16:creationId xmlns:a16="http://schemas.microsoft.com/office/drawing/2014/main" xmlns="" id="{EC1B70AB-4AF2-8081-F252-DC8953E87874}"/>
               </a:ext>
             </a:extLst>
           </p:cNvPr>
@@ -4631,7 +4631,7 @@
           <p:cNvPr id="2" name="Title 1">
             <a:extLst>
               <a:ext uri="{FF2B5EF4-FFF2-40B4-BE49-F238E27FC236}">
-                <a16:creationId xmlns:a16="http://schemas.microsoft.com/office/drawing/2014/main" id="{BC22D0EC-5238-F4BF-1133-D79265EE0945}"/>
+                <a16:creationId xmlns:a16="http://schemas.microsoft.com/office/drawing/2014/main" xmlns="" id="{BC22D0EC-5238-F4BF-1133-D79265EE0945}"/>
               </a:ext>
             </a:extLst>
           </p:cNvPr>
@@ -4644,8 +4644,8 @@
         </p:nvSpPr>
         <p:spPr>
           <a:xfrm>
-            <a:off x="773723" y="457200"/>
-            <a:ext cx="10389577" cy="1555189"/>
+            <a:off x="597159" y="0"/>
+            <a:ext cx="11187404" cy="1676487"/>
           </a:xfrm>
           <a:solidFill>
             <a:schemeClr val="accent5">
@@ -4661,16 +4661,15 @@
           <a:lstStyle/>
           <a:p>
             <a:r>
-              <a:rPr lang="en-IN" b="0" i="0" dirty="0">
+              <a:rPr lang="en-IN" sz="2900" dirty="0">
                 <a:solidFill>
                   <a:srgbClr val="1C1E21"/>
                 </a:solidFill>
-                <a:effectLst/>
                 <a:latin typeface="system-ui"/>
               </a:rPr>
               <a:t>In order to get more visibility into what an agent is doing, we can also return intermediate steps. This comes in the form of an extra key in the return value, which is a list of (action, observation) tuples.</a:t>
             </a:r>
-            <a:endParaRPr lang="en-US" b="1" dirty="0">
+            <a:endParaRPr lang="en-US" sz="2000" b="1" dirty="0">
               <a:solidFill>
                 <a:srgbClr val="FFFF00"/>
               </a:solidFill>
@@ -4693,9 +4692,870 @@
         <p:spPr/>
         <p:txBody>
           <a:bodyPr>
-            <a:normAutofit/>
+            <a:normAutofit fontScale="85000" lnSpcReduction="20000"/>
           </a:bodyPr>
           <a:lstStyle/>
+          <a:p>
+            <a:r>
+              <a:rPr lang="en-IN" dirty="0">
+                <a:solidFill>
+                  <a:srgbClr val="AF00DB"/>
+                </a:solidFill>
+                <a:latin typeface="Consolas"/>
+              </a:rPr>
+              <a:t>from</a:t>
+            </a:r>
+            <a:r>
+              <a:rPr lang="en-IN" dirty="0">
+                <a:solidFill>
+                  <a:srgbClr val="3B3B3B"/>
+                </a:solidFill>
+                <a:latin typeface="Consolas"/>
+              </a:rPr>
+              <a:t> </a:t>
+            </a:r>
+            <a:r>
+              <a:rPr lang="en-IN" dirty="0" err="1">
+                <a:solidFill>
+                  <a:srgbClr val="267F99"/>
+                </a:solidFill>
+                <a:latin typeface="Consolas"/>
+              </a:rPr>
+              <a:t>langchain</a:t>
+            </a:r>
+            <a:r>
+              <a:rPr lang="en-IN" dirty="0" err="1">
+                <a:solidFill>
+                  <a:srgbClr val="3B3B3B"/>
+                </a:solidFill>
+                <a:latin typeface="Consolas"/>
+              </a:rPr>
+              <a:t>.</a:t>
+            </a:r>
+            <a:r>
+              <a:rPr lang="en-IN" dirty="0" err="1">
+                <a:solidFill>
+                  <a:srgbClr val="267F99"/>
+                </a:solidFill>
+                <a:latin typeface="Consolas"/>
+              </a:rPr>
+              <a:t>chat_models</a:t>
+            </a:r>
+            <a:r>
+              <a:rPr lang="en-IN" dirty="0">
+                <a:solidFill>
+                  <a:srgbClr val="3B3B3B"/>
+                </a:solidFill>
+                <a:latin typeface="Consolas"/>
+              </a:rPr>
+              <a:t> </a:t>
+            </a:r>
+            <a:r>
+              <a:rPr lang="en-IN" dirty="0">
+                <a:solidFill>
+                  <a:srgbClr val="AF00DB"/>
+                </a:solidFill>
+                <a:latin typeface="Consolas"/>
+              </a:rPr>
+              <a:t>import</a:t>
+            </a:r>
+            <a:r>
+              <a:rPr lang="en-IN" dirty="0">
+                <a:solidFill>
+                  <a:srgbClr val="3B3B3B"/>
+                </a:solidFill>
+                <a:latin typeface="Consolas"/>
+              </a:rPr>
+              <a:t> </a:t>
+            </a:r>
+            <a:r>
+              <a:rPr lang="en-IN" dirty="0" err="1">
+                <a:solidFill>
+                  <a:srgbClr val="267F99"/>
+                </a:solidFill>
+                <a:latin typeface="Consolas"/>
+              </a:rPr>
+              <a:t>ChatOpenAI</a:t>
+            </a:r>
+            <a:endParaRPr lang="en-IN" dirty="0">
+              <a:solidFill>
+                <a:srgbClr val="3B3B3B"/>
+              </a:solidFill>
+              <a:latin typeface="Consolas"/>
+            </a:endParaRPr>
+          </a:p>
+          <a:p>
+            <a:r>
+              <a:rPr lang="en-IN" dirty="0">
+                <a:solidFill>
+                  <a:srgbClr val="AF00DB"/>
+                </a:solidFill>
+                <a:latin typeface="Consolas"/>
+              </a:rPr>
+              <a:t>from</a:t>
+            </a:r>
+            <a:r>
+              <a:rPr lang="en-IN" dirty="0">
+                <a:solidFill>
+                  <a:srgbClr val="3B3B3B"/>
+                </a:solidFill>
+                <a:latin typeface="Consolas"/>
+              </a:rPr>
+              <a:t> </a:t>
+            </a:r>
+            <a:r>
+              <a:rPr lang="en-IN" dirty="0" err="1">
+                <a:solidFill>
+                  <a:srgbClr val="267F99"/>
+                </a:solidFill>
+                <a:latin typeface="Consolas"/>
+              </a:rPr>
+              <a:t>langchain</a:t>
+            </a:r>
+            <a:r>
+              <a:rPr lang="en-IN" dirty="0" err="1">
+                <a:solidFill>
+                  <a:srgbClr val="3B3B3B"/>
+                </a:solidFill>
+                <a:latin typeface="Consolas"/>
+              </a:rPr>
+              <a:t>.</a:t>
+            </a:r>
+            <a:r>
+              <a:rPr lang="en-IN" dirty="0" err="1">
+                <a:solidFill>
+                  <a:srgbClr val="267F99"/>
+                </a:solidFill>
+                <a:latin typeface="Consolas"/>
+              </a:rPr>
+              <a:t>agents</a:t>
+            </a:r>
+            <a:r>
+              <a:rPr lang="en-IN" dirty="0">
+                <a:solidFill>
+                  <a:srgbClr val="3B3B3B"/>
+                </a:solidFill>
+                <a:latin typeface="Consolas"/>
+              </a:rPr>
+              <a:t> </a:t>
+            </a:r>
+            <a:r>
+              <a:rPr lang="en-IN" dirty="0">
+                <a:solidFill>
+                  <a:srgbClr val="AF00DB"/>
+                </a:solidFill>
+                <a:latin typeface="Consolas"/>
+              </a:rPr>
+              <a:t>import</a:t>
+            </a:r>
+            <a:r>
+              <a:rPr lang="en-IN" dirty="0">
+                <a:solidFill>
+                  <a:srgbClr val="3B3B3B"/>
+                </a:solidFill>
+                <a:latin typeface="Consolas"/>
+              </a:rPr>
+              <a:t> </a:t>
+            </a:r>
+            <a:r>
+              <a:rPr lang="en-IN" dirty="0" err="1">
+                <a:solidFill>
+                  <a:srgbClr val="267F99"/>
+                </a:solidFill>
+                <a:latin typeface="Consolas"/>
+              </a:rPr>
+              <a:t>AgentType</a:t>
+            </a:r>
+            <a:r>
+              <a:rPr lang="en-IN" dirty="0" err="1">
+                <a:solidFill>
+                  <a:srgbClr val="3B3B3B"/>
+                </a:solidFill>
+                <a:latin typeface="Consolas"/>
+              </a:rPr>
+              <a:t>,</a:t>
+            </a:r>
+            <a:r>
+              <a:rPr lang="en-IN" dirty="0" err="1">
+                <a:solidFill>
+                  <a:srgbClr val="795E26"/>
+                </a:solidFill>
+                <a:latin typeface="Consolas"/>
+              </a:rPr>
+              <a:t>initialize_agent</a:t>
+            </a:r>
+            <a:r>
+              <a:rPr lang="en-IN" dirty="0" err="1">
+                <a:solidFill>
+                  <a:srgbClr val="3B3B3B"/>
+                </a:solidFill>
+                <a:latin typeface="Consolas"/>
+              </a:rPr>
+              <a:t>,</a:t>
+            </a:r>
+            <a:r>
+              <a:rPr lang="en-IN" dirty="0" err="1">
+                <a:solidFill>
+                  <a:srgbClr val="795E26"/>
+                </a:solidFill>
+                <a:latin typeface="Consolas"/>
+              </a:rPr>
+              <a:t>load_tools</a:t>
+            </a:r>
+            <a:endParaRPr lang="en-IN" dirty="0">
+              <a:solidFill>
+                <a:srgbClr val="3B3B3B"/>
+              </a:solidFill>
+              <a:latin typeface="Consolas"/>
+            </a:endParaRPr>
+          </a:p>
+          <a:p>
+            <a:r>
+              <a:rPr lang="en-IN" dirty="0">
+                <a:solidFill>
+                  <a:srgbClr val="AF00DB"/>
+                </a:solidFill>
+                <a:latin typeface="Consolas"/>
+              </a:rPr>
+              <a:t>import</a:t>
+            </a:r>
+            <a:r>
+              <a:rPr lang="en-IN" dirty="0">
+                <a:solidFill>
+                  <a:srgbClr val="3B3B3B"/>
+                </a:solidFill>
+                <a:latin typeface="Consolas"/>
+              </a:rPr>
+              <a:t> </a:t>
+            </a:r>
+            <a:r>
+              <a:rPr lang="en-IN" dirty="0" err="1">
+                <a:solidFill>
+                  <a:srgbClr val="267F99"/>
+                </a:solidFill>
+                <a:latin typeface="Consolas"/>
+              </a:rPr>
+              <a:t>os</a:t>
+            </a:r>
+            <a:endParaRPr lang="en-IN" dirty="0">
+              <a:solidFill>
+                <a:srgbClr val="3B3B3B"/>
+              </a:solidFill>
+              <a:latin typeface="Consolas"/>
+            </a:endParaRPr>
+          </a:p>
+          <a:p>
+            <a:r>
+              <a:rPr lang="en-IN" dirty="0" err="1">
+                <a:solidFill>
+                  <a:srgbClr val="267F99"/>
+                </a:solidFill>
+                <a:latin typeface="Consolas"/>
+              </a:rPr>
+              <a:t>os</a:t>
+            </a:r>
+            <a:r>
+              <a:rPr lang="en-IN" dirty="0" err="1">
+                <a:solidFill>
+                  <a:srgbClr val="3B3B3B"/>
+                </a:solidFill>
+                <a:latin typeface="Consolas"/>
+              </a:rPr>
+              <a:t>.</a:t>
+            </a:r>
+            <a:r>
+              <a:rPr lang="en-IN" dirty="0" err="1">
+                <a:solidFill>
+                  <a:srgbClr val="001080"/>
+                </a:solidFill>
+                <a:latin typeface="Consolas"/>
+              </a:rPr>
+              <a:t>environ</a:t>
+            </a:r>
+            <a:r>
+              <a:rPr lang="en-IN" dirty="0">
+                <a:solidFill>
+                  <a:srgbClr val="3B3B3B"/>
+                </a:solidFill>
+                <a:latin typeface="Consolas"/>
+              </a:rPr>
+              <a:t>[</a:t>
+            </a:r>
+            <a:r>
+              <a:rPr lang="en-IN" dirty="0">
+                <a:solidFill>
+                  <a:srgbClr val="A31515"/>
+                </a:solidFill>
+                <a:latin typeface="Consolas"/>
+              </a:rPr>
+              <a:t>"SERPAPI_API_KEY"</a:t>
+            </a:r>
+            <a:r>
+              <a:rPr lang="en-IN" dirty="0">
+                <a:solidFill>
+                  <a:srgbClr val="3B3B3B"/>
+                </a:solidFill>
+                <a:latin typeface="Consolas"/>
+              </a:rPr>
+              <a:t>]</a:t>
+            </a:r>
+            <a:r>
+              <a:rPr lang="en-IN" dirty="0">
+                <a:solidFill>
+                  <a:srgbClr val="000000"/>
+                </a:solidFill>
+                <a:latin typeface="Consolas"/>
+              </a:rPr>
+              <a:t>=</a:t>
+            </a:r>
+            <a:r>
+              <a:rPr lang="en-IN" dirty="0">
+                <a:solidFill>
+                  <a:srgbClr val="A31515"/>
+                </a:solidFill>
+                <a:latin typeface="Consolas"/>
+              </a:rPr>
+              <a:t>"c6083f1c51726d299bb135d9c780c9927758e8f48a29d55a8be6723f842d18d2"</a:t>
+            </a:r>
+            <a:endParaRPr lang="en-IN" dirty="0">
+              <a:solidFill>
+                <a:srgbClr val="3B3B3B"/>
+              </a:solidFill>
+              <a:latin typeface="Consolas"/>
+            </a:endParaRPr>
+          </a:p>
+          <a:p>
+            <a:r>
+              <a:rPr lang="en-IN" dirty="0" err="1">
+                <a:solidFill>
+                  <a:srgbClr val="001080"/>
+                </a:solidFill>
+                <a:latin typeface="Consolas"/>
+              </a:rPr>
+              <a:t>llm</a:t>
+            </a:r>
+            <a:r>
+              <a:rPr lang="en-IN" dirty="0">
+                <a:solidFill>
+                  <a:srgbClr val="000000"/>
+                </a:solidFill>
+                <a:latin typeface="Consolas"/>
+              </a:rPr>
+              <a:t>=</a:t>
+            </a:r>
+            <a:r>
+              <a:rPr lang="en-IN" dirty="0" err="1">
+                <a:solidFill>
+                  <a:srgbClr val="267F99"/>
+                </a:solidFill>
+                <a:latin typeface="Consolas"/>
+              </a:rPr>
+              <a:t>ChatOpenAI</a:t>
+            </a:r>
+            <a:r>
+              <a:rPr lang="en-IN" dirty="0">
+                <a:solidFill>
+                  <a:srgbClr val="3B3B3B"/>
+                </a:solidFill>
+                <a:latin typeface="Consolas"/>
+              </a:rPr>
+              <a:t>(</a:t>
+            </a:r>
+            <a:r>
+              <a:rPr lang="en-IN" dirty="0">
+                <a:solidFill>
+                  <a:srgbClr val="001080"/>
+                </a:solidFill>
+                <a:latin typeface="Consolas"/>
+              </a:rPr>
+              <a:t>temperature</a:t>
+            </a:r>
+            <a:r>
+              <a:rPr lang="en-IN" dirty="0">
+                <a:solidFill>
+                  <a:srgbClr val="000000"/>
+                </a:solidFill>
+                <a:latin typeface="Consolas"/>
+              </a:rPr>
+              <a:t>=</a:t>
+            </a:r>
+            <a:r>
+              <a:rPr lang="en-IN" dirty="0">
+                <a:solidFill>
+                  <a:srgbClr val="098658"/>
+                </a:solidFill>
+                <a:latin typeface="Consolas"/>
+              </a:rPr>
+              <a:t>0</a:t>
+            </a:r>
+            <a:r>
+              <a:rPr lang="en-IN" dirty="0">
+                <a:solidFill>
+                  <a:srgbClr val="3B3B3B"/>
+                </a:solidFill>
+                <a:latin typeface="Consolas"/>
+              </a:rPr>
+              <a:t>,</a:t>
+            </a:r>
+            <a:r>
+              <a:rPr lang="en-IN" dirty="0">
+                <a:solidFill>
+                  <a:srgbClr val="001080"/>
+                </a:solidFill>
+                <a:latin typeface="Consolas"/>
+              </a:rPr>
+              <a:t>model</a:t>
+            </a:r>
+            <a:r>
+              <a:rPr lang="en-IN" dirty="0">
+                <a:solidFill>
+                  <a:srgbClr val="000000"/>
+                </a:solidFill>
+                <a:latin typeface="Consolas"/>
+              </a:rPr>
+              <a:t>=</a:t>
+            </a:r>
+            <a:r>
+              <a:rPr lang="en-IN" dirty="0">
+                <a:solidFill>
+                  <a:srgbClr val="A31515"/>
+                </a:solidFill>
+                <a:latin typeface="Consolas"/>
+              </a:rPr>
+              <a:t>"gpt-4"</a:t>
+            </a:r>
+            <a:r>
+              <a:rPr lang="en-IN" dirty="0">
+                <a:solidFill>
+                  <a:srgbClr val="3B3B3B"/>
+                </a:solidFill>
+                <a:latin typeface="Consolas"/>
+              </a:rPr>
+              <a:t>)</a:t>
+            </a:r>
+          </a:p>
+          <a:p>
+            <a:r>
+              <a:rPr lang="en-IN" dirty="0">
+                <a:solidFill>
+                  <a:srgbClr val="001080"/>
+                </a:solidFill>
+                <a:latin typeface="Consolas"/>
+              </a:rPr>
+              <a:t>tools</a:t>
+            </a:r>
+            <a:r>
+              <a:rPr lang="en-IN" dirty="0">
+                <a:solidFill>
+                  <a:srgbClr val="000000"/>
+                </a:solidFill>
+                <a:latin typeface="Consolas"/>
+              </a:rPr>
+              <a:t>=</a:t>
+            </a:r>
+            <a:r>
+              <a:rPr lang="en-IN" dirty="0" err="1">
+                <a:solidFill>
+                  <a:srgbClr val="795E26"/>
+                </a:solidFill>
+                <a:latin typeface="Consolas"/>
+              </a:rPr>
+              <a:t>load_tools</a:t>
+            </a:r>
+            <a:r>
+              <a:rPr lang="en-IN" dirty="0">
+                <a:solidFill>
+                  <a:srgbClr val="3B3B3B"/>
+                </a:solidFill>
+                <a:latin typeface="Consolas"/>
+              </a:rPr>
+              <a:t>([</a:t>
+            </a:r>
+            <a:r>
+              <a:rPr lang="en-IN" dirty="0">
+                <a:solidFill>
+                  <a:srgbClr val="A31515"/>
+                </a:solidFill>
+                <a:latin typeface="Consolas"/>
+              </a:rPr>
+              <a:t>"</a:t>
+            </a:r>
+            <a:r>
+              <a:rPr lang="en-IN" dirty="0" err="1">
+                <a:solidFill>
+                  <a:srgbClr val="A31515"/>
+                </a:solidFill>
+                <a:latin typeface="Consolas"/>
+              </a:rPr>
+              <a:t>serpapi</a:t>
+            </a:r>
+            <a:r>
+              <a:rPr lang="en-IN" dirty="0">
+                <a:solidFill>
+                  <a:srgbClr val="A31515"/>
+                </a:solidFill>
+                <a:latin typeface="Consolas"/>
+              </a:rPr>
+              <a:t>"</a:t>
+            </a:r>
+            <a:r>
+              <a:rPr lang="en-IN" dirty="0">
+                <a:solidFill>
+                  <a:srgbClr val="3B3B3B"/>
+                </a:solidFill>
+                <a:latin typeface="Consolas"/>
+              </a:rPr>
+              <a:t>],</a:t>
+            </a:r>
+            <a:r>
+              <a:rPr lang="en-IN" dirty="0" err="1">
+                <a:solidFill>
+                  <a:srgbClr val="001080"/>
+                </a:solidFill>
+                <a:latin typeface="Consolas"/>
+              </a:rPr>
+              <a:t>llm</a:t>
+            </a:r>
+            <a:r>
+              <a:rPr lang="en-IN" dirty="0">
+                <a:solidFill>
+                  <a:srgbClr val="000000"/>
+                </a:solidFill>
+                <a:latin typeface="Consolas"/>
+              </a:rPr>
+              <a:t>=</a:t>
+            </a:r>
+            <a:r>
+              <a:rPr lang="en-IN" dirty="0" err="1">
+                <a:solidFill>
+                  <a:srgbClr val="001080"/>
+                </a:solidFill>
+                <a:latin typeface="Consolas"/>
+              </a:rPr>
+              <a:t>llm</a:t>
+            </a:r>
+            <a:r>
+              <a:rPr lang="en-IN" dirty="0">
+                <a:solidFill>
+                  <a:srgbClr val="3B3B3B"/>
+                </a:solidFill>
+                <a:latin typeface="Consolas"/>
+              </a:rPr>
+              <a:t>)</a:t>
+            </a:r>
+          </a:p>
+          <a:p>
+            <a:r>
+              <a:rPr lang="en-IN" dirty="0">
+                <a:solidFill>
+                  <a:srgbClr val="001080"/>
+                </a:solidFill>
+                <a:latin typeface="Consolas"/>
+              </a:rPr>
+              <a:t>agent</a:t>
+            </a:r>
+            <a:r>
+              <a:rPr lang="en-IN" dirty="0">
+                <a:solidFill>
+                  <a:srgbClr val="000000"/>
+                </a:solidFill>
+                <a:latin typeface="Consolas"/>
+              </a:rPr>
+              <a:t>=</a:t>
+            </a:r>
+            <a:r>
+              <a:rPr lang="en-IN" dirty="0" err="1">
+                <a:solidFill>
+                  <a:srgbClr val="795E26"/>
+                </a:solidFill>
+                <a:latin typeface="Consolas"/>
+              </a:rPr>
+              <a:t>initialize_agent</a:t>
+            </a:r>
+            <a:r>
+              <a:rPr lang="en-IN" dirty="0">
+                <a:solidFill>
+                  <a:srgbClr val="3B3B3B"/>
+                </a:solidFill>
+                <a:latin typeface="Consolas"/>
+              </a:rPr>
+              <a:t>(</a:t>
+            </a:r>
+            <a:r>
+              <a:rPr lang="en-IN" dirty="0" err="1">
+                <a:solidFill>
+                  <a:srgbClr val="001080"/>
+                </a:solidFill>
+                <a:latin typeface="Consolas"/>
+              </a:rPr>
+              <a:t>tools</a:t>
+            </a:r>
+            <a:r>
+              <a:rPr lang="en-IN" dirty="0" err="1">
+                <a:solidFill>
+                  <a:srgbClr val="3B3B3B"/>
+                </a:solidFill>
+                <a:latin typeface="Consolas"/>
+              </a:rPr>
+              <a:t>,</a:t>
+            </a:r>
+            <a:r>
+              <a:rPr lang="en-IN" dirty="0" err="1">
+                <a:solidFill>
+                  <a:srgbClr val="001080"/>
+                </a:solidFill>
+                <a:latin typeface="Consolas"/>
+              </a:rPr>
+              <a:t>llm</a:t>
+            </a:r>
+            <a:r>
+              <a:rPr lang="en-IN" dirty="0" err="1">
+                <a:solidFill>
+                  <a:srgbClr val="3B3B3B"/>
+                </a:solidFill>
+                <a:latin typeface="Consolas"/>
+              </a:rPr>
+              <a:t>,</a:t>
+            </a:r>
+            <a:r>
+              <a:rPr lang="en-IN" dirty="0" err="1">
+                <a:solidFill>
+                  <a:srgbClr val="001080"/>
+                </a:solidFill>
+                <a:latin typeface="Consolas"/>
+              </a:rPr>
+              <a:t>agent</a:t>
+            </a:r>
+            <a:r>
+              <a:rPr lang="en-IN" dirty="0">
+                <a:solidFill>
+                  <a:srgbClr val="000000"/>
+                </a:solidFill>
+                <a:latin typeface="Consolas"/>
+              </a:rPr>
+              <a:t>=</a:t>
+            </a:r>
+            <a:r>
+              <a:rPr lang="en-IN" dirty="0">
+                <a:solidFill>
+                  <a:srgbClr val="267F99"/>
+                </a:solidFill>
+                <a:latin typeface="Consolas"/>
+              </a:rPr>
+              <a:t>AgentType</a:t>
+            </a:r>
+            <a:r>
+              <a:rPr lang="en-IN" dirty="0">
+                <a:solidFill>
+                  <a:srgbClr val="3B3B3B"/>
+                </a:solidFill>
+                <a:latin typeface="Consolas"/>
+              </a:rPr>
+              <a:t>.</a:t>
+            </a:r>
+            <a:r>
+              <a:rPr lang="en-IN" dirty="0">
+                <a:solidFill>
+                  <a:srgbClr val="0070C1"/>
+                </a:solidFill>
+                <a:latin typeface="Consolas"/>
+              </a:rPr>
+              <a:t>STRUCTURED_CHAT_ZERO_SHOT_REACT_DESCRIPTION</a:t>
+            </a:r>
+            <a:r>
+              <a:rPr lang="en-IN" dirty="0">
+                <a:solidFill>
+                  <a:srgbClr val="3B3B3B"/>
+                </a:solidFill>
+                <a:latin typeface="Consolas"/>
+              </a:rPr>
+              <a:t>,</a:t>
+            </a:r>
+            <a:r>
+              <a:rPr lang="en-IN" dirty="0">
+                <a:solidFill>
+                  <a:srgbClr val="001080"/>
+                </a:solidFill>
+                <a:latin typeface="Consolas"/>
+              </a:rPr>
+              <a:t>return_intermediate_steps</a:t>
+            </a:r>
+            <a:r>
+              <a:rPr lang="en-IN" dirty="0">
+                <a:solidFill>
+                  <a:srgbClr val="000000"/>
+                </a:solidFill>
+                <a:latin typeface="Consolas"/>
+              </a:rPr>
+              <a:t>=</a:t>
+            </a:r>
+            <a:r>
+              <a:rPr lang="en-IN" dirty="0">
+                <a:solidFill>
+                  <a:srgbClr val="0000FF"/>
+                </a:solidFill>
+                <a:latin typeface="Consolas"/>
+              </a:rPr>
+              <a:t>True</a:t>
+            </a:r>
+            <a:r>
+              <a:rPr lang="en-IN" dirty="0">
+                <a:solidFill>
+                  <a:srgbClr val="3B3B3B"/>
+                </a:solidFill>
+                <a:latin typeface="Consolas"/>
+              </a:rPr>
+              <a:t>)</a:t>
+            </a:r>
+          </a:p>
+          <a:p>
+            <a:r>
+              <a:rPr lang="en-IN" dirty="0">
+                <a:solidFill>
+                  <a:srgbClr val="001080"/>
+                </a:solidFill>
+                <a:latin typeface="Consolas"/>
+              </a:rPr>
+              <a:t>response</a:t>
+            </a:r>
+            <a:r>
+              <a:rPr lang="en-IN" dirty="0">
+                <a:solidFill>
+                  <a:srgbClr val="000000"/>
+                </a:solidFill>
+                <a:latin typeface="Consolas"/>
+              </a:rPr>
+              <a:t>=</a:t>
+            </a:r>
+            <a:r>
+              <a:rPr lang="en-IN" dirty="0">
+                <a:solidFill>
+                  <a:srgbClr val="001080"/>
+                </a:solidFill>
+                <a:latin typeface="Consolas"/>
+              </a:rPr>
+              <a:t>agent</a:t>
+            </a:r>
+            <a:r>
+              <a:rPr lang="en-IN" dirty="0">
+                <a:solidFill>
+                  <a:srgbClr val="3B3B3B"/>
+                </a:solidFill>
+                <a:latin typeface="Consolas"/>
+              </a:rPr>
+              <a:t>({</a:t>
+            </a:r>
+            <a:r>
+              <a:rPr lang="en-IN" dirty="0">
+                <a:solidFill>
+                  <a:srgbClr val="A31515"/>
+                </a:solidFill>
+                <a:latin typeface="Consolas"/>
+              </a:rPr>
+              <a:t>"</a:t>
+            </a:r>
+            <a:r>
+              <a:rPr lang="en-IN" dirty="0" err="1">
+                <a:solidFill>
+                  <a:srgbClr val="A31515"/>
+                </a:solidFill>
+                <a:latin typeface="Consolas"/>
+              </a:rPr>
+              <a:t>input"</a:t>
+            </a:r>
+            <a:r>
+              <a:rPr lang="en-IN" dirty="0" err="1">
+                <a:solidFill>
+                  <a:srgbClr val="3B3B3B"/>
+                </a:solidFill>
+                <a:latin typeface="Consolas"/>
+              </a:rPr>
+              <a:t>:</a:t>
+            </a:r>
+            <a:r>
+              <a:rPr lang="en-IN" dirty="0" err="1">
+                <a:solidFill>
+                  <a:srgbClr val="A31515"/>
+                </a:solidFill>
+                <a:latin typeface="Consolas"/>
+              </a:rPr>
+              <a:t>"who</a:t>
+            </a:r>
+            <a:r>
+              <a:rPr lang="en-IN" dirty="0">
+                <a:solidFill>
+                  <a:srgbClr val="A31515"/>
+                </a:solidFill>
+                <a:latin typeface="Consolas"/>
+              </a:rPr>
+              <a:t> is the present prime minister of </a:t>
+            </a:r>
+            <a:r>
+              <a:rPr lang="en-IN" dirty="0" err="1">
+                <a:solidFill>
+                  <a:srgbClr val="A31515"/>
+                </a:solidFill>
+                <a:latin typeface="Consolas"/>
+              </a:rPr>
+              <a:t>India,what</a:t>
+            </a:r>
+            <a:r>
+              <a:rPr lang="en-IN" dirty="0">
+                <a:solidFill>
+                  <a:srgbClr val="A31515"/>
+                </a:solidFill>
+                <a:latin typeface="Consolas"/>
+              </a:rPr>
+              <a:t> is his age"</a:t>
+            </a:r>
+            <a:r>
+              <a:rPr lang="en-IN" dirty="0">
+                <a:solidFill>
+                  <a:srgbClr val="3B3B3B"/>
+                </a:solidFill>
+                <a:latin typeface="Consolas"/>
+              </a:rPr>
+              <a:t>})</a:t>
+            </a:r>
+          </a:p>
+          <a:p>
+            <a:r>
+              <a:rPr lang="en-IN" dirty="0">
+                <a:solidFill>
+                  <a:srgbClr val="795E26"/>
+                </a:solidFill>
+                <a:latin typeface="Consolas"/>
+              </a:rPr>
+              <a:t>print</a:t>
+            </a:r>
+            <a:r>
+              <a:rPr lang="en-IN" dirty="0">
+                <a:solidFill>
+                  <a:srgbClr val="3B3B3B"/>
+                </a:solidFill>
+                <a:latin typeface="Consolas"/>
+              </a:rPr>
+              <a:t>(</a:t>
+            </a:r>
+            <a:r>
+              <a:rPr lang="en-IN" dirty="0">
+                <a:solidFill>
+                  <a:srgbClr val="001080"/>
+                </a:solidFill>
+                <a:latin typeface="Consolas"/>
+              </a:rPr>
+              <a:t>response</a:t>
+            </a:r>
+            <a:r>
+              <a:rPr lang="en-IN" dirty="0">
+                <a:solidFill>
+                  <a:srgbClr val="3B3B3B"/>
+                </a:solidFill>
+                <a:latin typeface="Consolas"/>
+              </a:rPr>
+              <a:t>)</a:t>
+            </a:r>
+          </a:p>
           <a:p>
             <a:endParaRPr lang="en-IN" dirty="0"/>
           </a:p>
@@ -4909,7 +5769,7 @@
   <a:extraClrSchemeLst/>
   <a:extLst>
     <a:ext uri="{05A4C25C-085E-4340-85A3-A5531E510DB2}">
-      <thm15:themeFamily xmlns:thm15="http://schemas.microsoft.com/office/thememl/2012/main" name="AdornVTI" id="{497E3FA9-5A27-4D12-9D04-917BEF3D1303}" vid="{34192A01-61CA-4566-9818-841C607496F7}"/>
+      <thm15:themeFamily xmlns:thm15="http://schemas.microsoft.com/office/thememl/2012/main" xmlns="" name="AdornVTI" id="{497E3FA9-5A27-4D12-9D04-917BEF3D1303}" vid="{34192A01-61CA-4566-9818-841C607496F7}"/>
     </a:ext>
   </a:extLst>
 </a:theme>
